--- a/img/transform_templates_to_embeddings.pptx
+++ b/img/transform_templates_to_embeddings.pptx
@@ -2,12 +2,12 @@
 <file path=ppt/presentation.xml><?xml version="1.0" encoding="utf-8"?>
 <p:presentation xmlns:a="http://schemas.openxmlformats.org/drawingml/2006/main" xmlns:r="http://schemas.openxmlformats.org/officeDocument/2006/relationships" xmlns:p="http://schemas.openxmlformats.org/presentationml/2006/main" saveSubsetFonts="1" autoCompressPictures="0">
   <p:sldMasterIdLst>
-    <p:sldMasterId id="2147483672" r:id="rId1"/>
+    <p:sldMasterId id="2147483684" r:id="rId1"/>
   </p:sldMasterIdLst>
   <p:sldIdLst>
     <p:sldId id="256" r:id="rId2"/>
   </p:sldIdLst>
-  <p:sldSz cx="6432550" cy="4140200"/>
+  <p:sldSz cx="6432550" cy="2339975"/>
   <p:notesSz cx="6858000" cy="9144000"/>
   <p:defaultTextStyle>
     <a:defPPr>
@@ -104,6 +104,11 @@
       </a:defRPr>
     </a:lvl9pPr>
   </p:defaultTextStyle>
+  <p:extLst>
+    <p:ext uri="{EFAFB233-063F-42B5-8137-9DF3F51BA10A}">
+      <p15:sldGuideLst xmlns:p15="http://schemas.microsoft.com/office/powerpoint/2012/main"/>
+    </p:ext>
+  </p:extLst>
 </p:presentation>
 </file>
 
@@ -136,15 +141,15 @@
         </p:nvSpPr>
         <p:spPr>
           <a:xfrm>
-            <a:off x="482441" y="677575"/>
-            <a:ext cx="5467668" cy="1441403"/>
+            <a:off x="804069" y="382954"/>
+            <a:ext cx="4824413" cy="814658"/>
           </a:xfrm>
         </p:spPr>
         <p:txBody>
           <a:bodyPr anchor="b"/>
           <a:lstStyle>
             <a:lvl1pPr algn="ctr">
-              <a:defRPr sz="3622"/>
+              <a:defRPr sz="2047"/>
             </a:lvl1pPr>
           </a:lstStyle>
           <a:p>
@@ -168,8 +173,8 @@
         </p:nvSpPr>
         <p:spPr>
           <a:xfrm>
-            <a:off x="804069" y="2174564"/>
-            <a:ext cx="4824413" cy="999590"/>
+            <a:off x="804069" y="1229029"/>
+            <a:ext cx="4824413" cy="564952"/>
           </a:xfrm>
         </p:spPr>
         <p:txBody>
@@ -177,39 +182,39 @@
           <a:lstStyle>
             <a:lvl1pPr marL="0" indent="0" algn="ctr">
               <a:buNone/>
-              <a:defRPr sz="1449"/>
+              <a:defRPr sz="819"/>
             </a:lvl1pPr>
-            <a:lvl2pPr marL="276012" indent="0" algn="ctr">
-              <a:buNone/>
-              <a:defRPr sz="1207"/>
+            <a:lvl2pPr marL="155997" indent="0" algn="ctr">
+              <a:buNone/>
+              <a:defRPr sz="682"/>
             </a:lvl2pPr>
-            <a:lvl3pPr marL="552023" indent="0" algn="ctr">
-              <a:buNone/>
-              <a:defRPr sz="1087"/>
+            <a:lvl3pPr marL="311993" indent="0" algn="ctr">
+              <a:buNone/>
+              <a:defRPr sz="614"/>
             </a:lvl3pPr>
-            <a:lvl4pPr marL="828035" indent="0" algn="ctr">
-              <a:buNone/>
-              <a:defRPr sz="966"/>
+            <a:lvl4pPr marL="467990" indent="0" algn="ctr">
+              <a:buNone/>
+              <a:defRPr sz="546"/>
             </a:lvl4pPr>
-            <a:lvl5pPr marL="1104047" indent="0" algn="ctr">
-              <a:buNone/>
-              <a:defRPr sz="966"/>
+            <a:lvl5pPr marL="623987" indent="0" algn="ctr">
+              <a:buNone/>
+              <a:defRPr sz="546"/>
             </a:lvl5pPr>
-            <a:lvl6pPr marL="1380058" indent="0" algn="ctr">
-              <a:buNone/>
-              <a:defRPr sz="966"/>
+            <a:lvl6pPr marL="779983" indent="0" algn="ctr">
+              <a:buNone/>
+              <a:defRPr sz="546"/>
             </a:lvl6pPr>
-            <a:lvl7pPr marL="1656070" indent="0" algn="ctr">
-              <a:buNone/>
-              <a:defRPr sz="966"/>
+            <a:lvl7pPr marL="935980" indent="0" algn="ctr">
+              <a:buNone/>
+              <a:defRPr sz="546"/>
             </a:lvl7pPr>
-            <a:lvl8pPr marL="1932081" indent="0" algn="ctr">
-              <a:buNone/>
-              <a:defRPr sz="966"/>
+            <a:lvl8pPr marL="1091976" indent="0" algn="ctr">
+              <a:buNone/>
+              <a:defRPr sz="546"/>
             </a:lvl8pPr>
-            <a:lvl9pPr marL="2208093" indent="0" algn="ctr">
-              <a:buNone/>
-              <a:defRPr sz="966"/>
+            <a:lvl9pPr marL="1247973" indent="0" algn="ctr">
+              <a:buNone/>
+              <a:defRPr sz="546"/>
             </a:lvl9pPr>
           </a:lstStyle>
           <a:p>
@@ -237,7 +242,7 @@
           <a:lstStyle/>
           <a:p>
             <a:fld id="{1CF3957C-59CA-1D4A-8752-1A15B5A5EACB}" type="datetimeFigureOut">
-              <a:t>09.08.20</a:t>
+              <a:t>11.08.20</a:t>
             </a:fld>
             <a:endParaRPr lang="de-DE"/>
           </a:p>
@@ -278,6 +283,7 @@
           <a:lstStyle/>
           <a:p>
             <a:fld id="{D0A0026C-DAD9-FA4B-AE3D-4CD89D590B0E}" type="slidenum">
+              <a:rPr lang="de-DE"/>
               <a:t>‹#›</a:t>
             </a:fld>
             <a:endParaRPr lang="de-DE"/>
@@ -287,7 +293,7 @@
     </p:spTree>
     <p:extLst>
       <p:ext uri="{BB962C8B-B14F-4D97-AF65-F5344CB8AC3E}">
-        <p14:creationId xmlns:p14="http://schemas.microsoft.com/office/powerpoint/2010/main" val="3800589350"/>
+        <p14:creationId xmlns:p14="http://schemas.microsoft.com/office/powerpoint/2010/main" val="2104378183"/>
       </p:ext>
     </p:extLst>
   </p:cSld>
@@ -405,7 +411,7 @@
           <a:lstStyle/>
           <a:p>
             <a:fld id="{1CF3957C-59CA-1D4A-8752-1A15B5A5EACB}" type="datetimeFigureOut">
-              <a:t>09.08.20</a:t>
+              <a:t>11.08.20</a:t>
             </a:fld>
             <a:endParaRPr lang="de-DE"/>
           </a:p>
@@ -446,6 +452,7 @@
           <a:lstStyle/>
           <a:p>
             <a:fld id="{D0A0026C-DAD9-FA4B-AE3D-4CD89D590B0E}" type="slidenum">
+              <a:rPr lang="de-DE"/>
               <a:t>‹#›</a:t>
             </a:fld>
             <a:endParaRPr lang="de-DE"/>
@@ -455,7 +462,7 @@
     </p:spTree>
     <p:extLst>
       <p:ext uri="{BB962C8B-B14F-4D97-AF65-F5344CB8AC3E}">
-        <p14:creationId xmlns:p14="http://schemas.microsoft.com/office/powerpoint/2010/main" val="1006546220"/>
+        <p14:creationId xmlns:p14="http://schemas.microsoft.com/office/powerpoint/2010/main" val="1124705818"/>
       </p:ext>
     </p:extLst>
   </p:cSld>
@@ -494,8 +501,8 @@
         </p:nvSpPr>
         <p:spPr>
           <a:xfrm>
-            <a:off x="4603294" y="220427"/>
-            <a:ext cx="1387019" cy="3508628"/>
+            <a:off x="4603293" y="124582"/>
+            <a:ext cx="1387019" cy="1983021"/>
           </a:xfrm>
         </p:spPr>
         <p:txBody>
@@ -522,8 +529,8 @@
         </p:nvSpPr>
         <p:spPr>
           <a:xfrm>
-            <a:off x="442238" y="220427"/>
-            <a:ext cx="4080649" cy="3508628"/>
+            <a:off x="442238" y="124582"/>
+            <a:ext cx="4080649" cy="1983021"/>
           </a:xfrm>
         </p:spPr>
         <p:txBody>
@@ -583,7 +590,7 @@
           <a:lstStyle/>
           <a:p>
             <a:fld id="{1CF3957C-59CA-1D4A-8752-1A15B5A5EACB}" type="datetimeFigureOut">
-              <a:t>09.08.20</a:t>
+              <a:t>11.08.20</a:t>
             </a:fld>
             <a:endParaRPr lang="de-DE"/>
           </a:p>
@@ -624,6 +631,7 @@
           <a:lstStyle/>
           <a:p>
             <a:fld id="{D0A0026C-DAD9-FA4B-AE3D-4CD89D590B0E}" type="slidenum">
+              <a:rPr lang="de-DE"/>
               <a:t>‹#›</a:t>
             </a:fld>
             <a:endParaRPr lang="de-DE"/>
@@ -633,7 +641,7 @@
     </p:spTree>
     <p:extLst>
       <p:ext uri="{BB962C8B-B14F-4D97-AF65-F5344CB8AC3E}">
-        <p14:creationId xmlns:p14="http://schemas.microsoft.com/office/powerpoint/2010/main" val="3762783461"/>
+        <p14:creationId xmlns:p14="http://schemas.microsoft.com/office/powerpoint/2010/main" val="2013764456"/>
       </p:ext>
     </p:extLst>
   </p:cSld>
@@ -751,7 +759,7 @@
           <a:lstStyle/>
           <a:p>
             <a:fld id="{1CF3957C-59CA-1D4A-8752-1A15B5A5EACB}" type="datetimeFigureOut">
-              <a:t>09.08.20</a:t>
+              <a:t>11.08.20</a:t>
             </a:fld>
             <a:endParaRPr lang="de-DE"/>
           </a:p>
@@ -792,6 +800,7 @@
           <a:lstStyle/>
           <a:p>
             <a:fld id="{D0A0026C-DAD9-FA4B-AE3D-4CD89D590B0E}" type="slidenum">
+              <a:rPr lang="de-DE"/>
               <a:t>‹#›</a:t>
             </a:fld>
             <a:endParaRPr lang="de-DE"/>
@@ -801,7 +810,7 @@
     </p:spTree>
     <p:extLst>
       <p:ext uri="{BB962C8B-B14F-4D97-AF65-F5344CB8AC3E}">
-        <p14:creationId xmlns:p14="http://schemas.microsoft.com/office/powerpoint/2010/main" val="3452693052"/>
+        <p14:creationId xmlns:p14="http://schemas.microsoft.com/office/powerpoint/2010/main" val="690349886"/>
       </p:ext>
     </p:extLst>
   </p:cSld>
@@ -840,15 +849,15 @@
         </p:nvSpPr>
         <p:spPr>
           <a:xfrm>
-            <a:off x="438888" y="1032176"/>
-            <a:ext cx="5548074" cy="1722208"/>
+            <a:off x="438888" y="583369"/>
+            <a:ext cx="5548074" cy="973364"/>
           </a:xfrm>
         </p:spPr>
         <p:txBody>
           <a:bodyPr anchor="b"/>
           <a:lstStyle>
             <a:lvl1pPr>
-              <a:defRPr sz="3622"/>
+              <a:defRPr sz="2047"/>
             </a:lvl1pPr>
           </a:lstStyle>
           <a:p>
@@ -872,8 +881,8 @@
         </p:nvSpPr>
         <p:spPr>
           <a:xfrm>
-            <a:off x="438888" y="2770677"/>
-            <a:ext cx="5548074" cy="905668"/>
+            <a:off x="438888" y="1565942"/>
+            <a:ext cx="5548074" cy="511869"/>
           </a:xfrm>
         </p:spPr>
         <p:txBody>
@@ -881,15 +890,17 @@
           <a:lstStyle>
             <a:lvl1pPr marL="0" indent="0">
               <a:buNone/>
-              <a:defRPr sz="1449">
+              <a:defRPr sz="819">
                 <a:solidFill>
-                  <a:schemeClr val="tx1"/>
+                  <a:schemeClr val="tx1">
+                    <a:tint val="75000"/>
+                  </a:schemeClr>
                 </a:solidFill>
               </a:defRPr>
             </a:lvl1pPr>
-            <a:lvl2pPr marL="276012" indent="0">
-              <a:buNone/>
-              <a:defRPr sz="1207">
+            <a:lvl2pPr marL="155997" indent="0">
+              <a:buNone/>
+              <a:defRPr sz="682">
                 <a:solidFill>
                   <a:schemeClr val="tx1">
                     <a:tint val="75000"/>
@@ -897,9 +908,9 @@
                 </a:solidFill>
               </a:defRPr>
             </a:lvl2pPr>
-            <a:lvl3pPr marL="552023" indent="0">
-              <a:buNone/>
-              <a:defRPr sz="1087">
+            <a:lvl3pPr marL="311993" indent="0">
+              <a:buNone/>
+              <a:defRPr sz="614">
                 <a:solidFill>
                   <a:schemeClr val="tx1">
                     <a:tint val="75000"/>
@@ -907,9 +918,9 @@
                 </a:solidFill>
               </a:defRPr>
             </a:lvl3pPr>
-            <a:lvl4pPr marL="828035" indent="0">
-              <a:buNone/>
-              <a:defRPr sz="966">
+            <a:lvl4pPr marL="467990" indent="0">
+              <a:buNone/>
+              <a:defRPr sz="546">
                 <a:solidFill>
                   <a:schemeClr val="tx1">
                     <a:tint val="75000"/>
@@ -917,9 +928,9 @@
                 </a:solidFill>
               </a:defRPr>
             </a:lvl4pPr>
-            <a:lvl5pPr marL="1104047" indent="0">
-              <a:buNone/>
-              <a:defRPr sz="966">
+            <a:lvl5pPr marL="623987" indent="0">
+              <a:buNone/>
+              <a:defRPr sz="546">
                 <a:solidFill>
                   <a:schemeClr val="tx1">
                     <a:tint val="75000"/>
@@ -927,9 +938,9 @@
                 </a:solidFill>
               </a:defRPr>
             </a:lvl5pPr>
-            <a:lvl6pPr marL="1380058" indent="0">
-              <a:buNone/>
-              <a:defRPr sz="966">
+            <a:lvl6pPr marL="779983" indent="0">
+              <a:buNone/>
+              <a:defRPr sz="546">
                 <a:solidFill>
                   <a:schemeClr val="tx1">
                     <a:tint val="75000"/>
@@ -937,9 +948,9 @@
                 </a:solidFill>
               </a:defRPr>
             </a:lvl6pPr>
-            <a:lvl7pPr marL="1656070" indent="0">
-              <a:buNone/>
-              <a:defRPr sz="966">
+            <a:lvl7pPr marL="935980" indent="0">
+              <a:buNone/>
+              <a:defRPr sz="546">
                 <a:solidFill>
                   <a:schemeClr val="tx1">
                     <a:tint val="75000"/>
@@ -947,9 +958,9 @@
                 </a:solidFill>
               </a:defRPr>
             </a:lvl7pPr>
-            <a:lvl8pPr marL="1932081" indent="0">
-              <a:buNone/>
-              <a:defRPr sz="966">
+            <a:lvl8pPr marL="1091976" indent="0">
+              <a:buNone/>
+              <a:defRPr sz="546">
                 <a:solidFill>
                   <a:schemeClr val="tx1">
                     <a:tint val="75000"/>
@@ -957,9 +968,9 @@
                 </a:solidFill>
               </a:defRPr>
             </a:lvl8pPr>
-            <a:lvl9pPr marL="2208093" indent="0">
-              <a:buNone/>
-              <a:defRPr sz="966">
+            <a:lvl9pPr marL="1247973" indent="0">
+              <a:buNone/>
+              <a:defRPr sz="546">
                 <a:solidFill>
                   <a:schemeClr val="tx1">
                     <a:tint val="75000"/>
@@ -993,7 +1004,7 @@
           <a:lstStyle/>
           <a:p>
             <a:fld id="{1CF3957C-59CA-1D4A-8752-1A15B5A5EACB}" type="datetimeFigureOut">
-              <a:t>09.08.20</a:t>
+              <a:t>11.08.20</a:t>
             </a:fld>
             <a:endParaRPr lang="de-DE"/>
           </a:p>
@@ -1034,6 +1045,7 @@
           <a:lstStyle/>
           <a:p>
             <a:fld id="{D0A0026C-DAD9-FA4B-AE3D-4CD89D590B0E}" type="slidenum">
+              <a:rPr lang="de-DE"/>
               <a:t>‹#›</a:t>
             </a:fld>
             <a:endParaRPr lang="de-DE"/>
@@ -1043,7 +1055,7 @@
     </p:spTree>
     <p:extLst>
       <p:ext uri="{BB962C8B-B14F-4D97-AF65-F5344CB8AC3E}">
-        <p14:creationId xmlns:p14="http://schemas.microsoft.com/office/powerpoint/2010/main" val="418189396"/>
+        <p14:creationId xmlns:p14="http://schemas.microsoft.com/office/powerpoint/2010/main" val="2170989298"/>
       </p:ext>
     </p:extLst>
   </p:cSld>
@@ -1105,8 +1117,8 @@
         </p:nvSpPr>
         <p:spPr>
           <a:xfrm>
-            <a:off x="442238" y="1102137"/>
-            <a:ext cx="2733834" cy="2626919"/>
+            <a:off x="442238" y="622910"/>
+            <a:ext cx="2733834" cy="1484693"/>
           </a:xfrm>
         </p:spPr>
         <p:txBody>
@@ -1162,8 +1174,8 @@
         </p:nvSpPr>
         <p:spPr>
           <a:xfrm>
-            <a:off x="3256478" y="1102137"/>
-            <a:ext cx="2733834" cy="2626919"/>
+            <a:off x="3256478" y="622910"/>
+            <a:ext cx="2733834" cy="1484693"/>
           </a:xfrm>
         </p:spPr>
         <p:txBody>
@@ -1223,7 +1235,7 @@
           <a:lstStyle/>
           <a:p>
             <a:fld id="{1CF3957C-59CA-1D4A-8752-1A15B5A5EACB}" type="datetimeFigureOut">
-              <a:t>09.08.20</a:t>
+              <a:t>11.08.20</a:t>
             </a:fld>
             <a:endParaRPr lang="de-DE"/>
           </a:p>
@@ -1264,6 +1276,7 @@
           <a:lstStyle/>
           <a:p>
             <a:fld id="{D0A0026C-DAD9-FA4B-AE3D-4CD89D590B0E}" type="slidenum">
+              <a:rPr lang="de-DE"/>
               <a:t>‹#›</a:t>
             </a:fld>
             <a:endParaRPr lang="de-DE"/>
@@ -1273,7 +1286,7 @@
     </p:spTree>
     <p:extLst>
       <p:ext uri="{BB962C8B-B14F-4D97-AF65-F5344CB8AC3E}">
-        <p14:creationId xmlns:p14="http://schemas.microsoft.com/office/powerpoint/2010/main" val="2878822777"/>
+        <p14:creationId xmlns:p14="http://schemas.microsoft.com/office/powerpoint/2010/main" val="2770874765"/>
       </p:ext>
     </p:extLst>
   </p:cSld>
@@ -1312,8 +1325,8 @@
         </p:nvSpPr>
         <p:spPr>
           <a:xfrm>
-            <a:off x="443076" y="220428"/>
-            <a:ext cx="5548074" cy="800247"/>
+            <a:off x="443076" y="124582"/>
+            <a:ext cx="5548074" cy="452287"/>
           </a:xfrm>
         </p:spPr>
         <p:txBody>
@@ -1340,8 +1353,8 @@
         </p:nvSpPr>
         <p:spPr>
           <a:xfrm>
-            <a:off x="443076" y="1014924"/>
-            <a:ext cx="2721270" cy="497399"/>
+            <a:off x="443076" y="573619"/>
+            <a:ext cx="2721270" cy="281122"/>
           </a:xfrm>
         </p:spPr>
         <p:txBody>
@@ -1349,39 +1362,39 @@
           <a:lstStyle>
             <a:lvl1pPr marL="0" indent="0">
               <a:buNone/>
-              <a:defRPr sz="1449" b="1"/>
+              <a:defRPr sz="819" b="1"/>
             </a:lvl1pPr>
-            <a:lvl2pPr marL="276012" indent="0">
-              <a:buNone/>
-              <a:defRPr sz="1207" b="1"/>
+            <a:lvl2pPr marL="155997" indent="0">
+              <a:buNone/>
+              <a:defRPr sz="682" b="1"/>
             </a:lvl2pPr>
-            <a:lvl3pPr marL="552023" indent="0">
-              <a:buNone/>
-              <a:defRPr sz="1087" b="1"/>
+            <a:lvl3pPr marL="311993" indent="0">
+              <a:buNone/>
+              <a:defRPr sz="614" b="1"/>
             </a:lvl3pPr>
-            <a:lvl4pPr marL="828035" indent="0">
-              <a:buNone/>
-              <a:defRPr sz="966" b="1"/>
+            <a:lvl4pPr marL="467990" indent="0">
+              <a:buNone/>
+              <a:defRPr sz="546" b="1"/>
             </a:lvl4pPr>
-            <a:lvl5pPr marL="1104047" indent="0">
-              <a:buNone/>
-              <a:defRPr sz="966" b="1"/>
+            <a:lvl5pPr marL="623987" indent="0">
+              <a:buNone/>
+              <a:defRPr sz="546" b="1"/>
             </a:lvl5pPr>
-            <a:lvl6pPr marL="1380058" indent="0">
-              <a:buNone/>
-              <a:defRPr sz="966" b="1"/>
+            <a:lvl6pPr marL="779983" indent="0">
+              <a:buNone/>
+              <a:defRPr sz="546" b="1"/>
             </a:lvl6pPr>
-            <a:lvl7pPr marL="1656070" indent="0">
-              <a:buNone/>
-              <a:defRPr sz="966" b="1"/>
+            <a:lvl7pPr marL="935980" indent="0">
+              <a:buNone/>
+              <a:defRPr sz="546" b="1"/>
             </a:lvl7pPr>
-            <a:lvl8pPr marL="1932081" indent="0">
-              <a:buNone/>
-              <a:defRPr sz="966" b="1"/>
+            <a:lvl8pPr marL="1091976" indent="0">
+              <a:buNone/>
+              <a:defRPr sz="546" b="1"/>
             </a:lvl8pPr>
-            <a:lvl9pPr marL="2208093" indent="0">
-              <a:buNone/>
-              <a:defRPr sz="966" b="1"/>
+            <a:lvl9pPr marL="1247973" indent="0">
+              <a:buNone/>
+              <a:defRPr sz="546" b="1"/>
             </a:lvl9pPr>
           </a:lstStyle>
           <a:p>
@@ -1405,8 +1418,8 @@
         </p:nvSpPr>
         <p:spPr>
           <a:xfrm>
-            <a:off x="443076" y="1512323"/>
-            <a:ext cx="2721270" cy="2224399"/>
+            <a:off x="443076" y="854741"/>
+            <a:ext cx="2721270" cy="1257195"/>
           </a:xfrm>
         </p:spPr>
         <p:txBody>
@@ -1462,8 +1475,8 @@
         </p:nvSpPr>
         <p:spPr>
           <a:xfrm>
-            <a:off x="3256479" y="1014924"/>
-            <a:ext cx="2734672" cy="497399"/>
+            <a:off x="3256478" y="573619"/>
+            <a:ext cx="2734672" cy="281122"/>
           </a:xfrm>
         </p:spPr>
         <p:txBody>
@@ -1471,39 +1484,39 @@
           <a:lstStyle>
             <a:lvl1pPr marL="0" indent="0">
               <a:buNone/>
-              <a:defRPr sz="1449" b="1"/>
+              <a:defRPr sz="819" b="1"/>
             </a:lvl1pPr>
-            <a:lvl2pPr marL="276012" indent="0">
-              <a:buNone/>
-              <a:defRPr sz="1207" b="1"/>
+            <a:lvl2pPr marL="155997" indent="0">
+              <a:buNone/>
+              <a:defRPr sz="682" b="1"/>
             </a:lvl2pPr>
-            <a:lvl3pPr marL="552023" indent="0">
-              <a:buNone/>
-              <a:defRPr sz="1087" b="1"/>
+            <a:lvl3pPr marL="311993" indent="0">
+              <a:buNone/>
+              <a:defRPr sz="614" b="1"/>
             </a:lvl3pPr>
-            <a:lvl4pPr marL="828035" indent="0">
-              <a:buNone/>
-              <a:defRPr sz="966" b="1"/>
+            <a:lvl4pPr marL="467990" indent="0">
+              <a:buNone/>
+              <a:defRPr sz="546" b="1"/>
             </a:lvl4pPr>
-            <a:lvl5pPr marL="1104047" indent="0">
-              <a:buNone/>
-              <a:defRPr sz="966" b="1"/>
+            <a:lvl5pPr marL="623987" indent="0">
+              <a:buNone/>
+              <a:defRPr sz="546" b="1"/>
             </a:lvl5pPr>
-            <a:lvl6pPr marL="1380058" indent="0">
-              <a:buNone/>
-              <a:defRPr sz="966" b="1"/>
+            <a:lvl6pPr marL="779983" indent="0">
+              <a:buNone/>
+              <a:defRPr sz="546" b="1"/>
             </a:lvl6pPr>
-            <a:lvl7pPr marL="1656070" indent="0">
-              <a:buNone/>
-              <a:defRPr sz="966" b="1"/>
+            <a:lvl7pPr marL="935980" indent="0">
+              <a:buNone/>
+              <a:defRPr sz="546" b="1"/>
             </a:lvl7pPr>
-            <a:lvl8pPr marL="1932081" indent="0">
-              <a:buNone/>
-              <a:defRPr sz="966" b="1"/>
+            <a:lvl8pPr marL="1091976" indent="0">
+              <a:buNone/>
+              <a:defRPr sz="546" b="1"/>
             </a:lvl8pPr>
-            <a:lvl9pPr marL="2208093" indent="0">
-              <a:buNone/>
-              <a:defRPr sz="966" b="1"/>
+            <a:lvl9pPr marL="1247973" indent="0">
+              <a:buNone/>
+              <a:defRPr sz="546" b="1"/>
             </a:lvl9pPr>
           </a:lstStyle>
           <a:p>
@@ -1527,8 +1540,8 @@
         </p:nvSpPr>
         <p:spPr>
           <a:xfrm>
-            <a:off x="3256479" y="1512323"/>
-            <a:ext cx="2734672" cy="2224399"/>
+            <a:off x="3256478" y="854741"/>
+            <a:ext cx="2734672" cy="1257195"/>
           </a:xfrm>
         </p:spPr>
         <p:txBody>
@@ -1588,7 +1601,7 @@
           <a:lstStyle/>
           <a:p>
             <a:fld id="{1CF3957C-59CA-1D4A-8752-1A15B5A5EACB}" type="datetimeFigureOut">
-              <a:t>09.08.20</a:t>
+              <a:t>11.08.20</a:t>
             </a:fld>
             <a:endParaRPr lang="de-DE"/>
           </a:p>
@@ -1629,6 +1642,7 @@
           <a:lstStyle/>
           <a:p>
             <a:fld id="{D0A0026C-DAD9-FA4B-AE3D-4CD89D590B0E}" type="slidenum">
+              <a:rPr lang="de-DE"/>
               <a:t>‹#›</a:t>
             </a:fld>
             <a:endParaRPr lang="de-DE"/>
@@ -1638,7 +1652,7 @@
     </p:spTree>
     <p:extLst>
       <p:ext uri="{BB962C8B-B14F-4D97-AF65-F5344CB8AC3E}">
-        <p14:creationId xmlns:p14="http://schemas.microsoft.com/office/powerpoint/2010/main" val="635881338"/>
+        <p14:creationId xmlns:p14="http://schemas.microsoft.com/office/powerpoint/2010/main" val="1313390870"/>
       </p:ext>
     </p:extLst>
   </p:cSld>
@@ -1704,7 +1718,7 @@
           <a:lstStyle/>
           <a:p>
             <a:fld id="{1CF3957C-59CA-1D4A-8752-1A15B5A5EACB}" type="datetimeFigureOut">
-              <a:t>09.08.20</a:t>
+              <a:t>11.08.20</a:t>
             </a:fld>
             <a:endParaRPr lang="de-DE"/>
           </a:p>
@@ -1745,6 +1759,7 @@
           <a:lstStyle/>
           <a:p>
             <a:fld id="{D0A0026C-DAD9-FA4B-AE3D-4CD89D590B0E}" type="slidenum">
+              <a:rPr lang="de-DE"/>
               <a:t>‹#›</a:t>
             </a:fld>
             <a:endParaRPr lang="de-DE"/>
@@ -1754,7 +1769,7 @@
     </p:spTree>
     <p:extLst>
       <p:ext uri="{BB962C8B-B14F-4D97-AF65-F5344CB8AC3E}">
-        <p14:creationId xmlns:p14="http://schemas.microsoft.com/office/powerpoint/2010/main" val="3394210795"/>
+        <p14:creationId xmlns:p14="http://schemas.microsoft.com/office/powerpoint/2010/main" val="3065690096"/>
       </p:ext>
     </p:extLst>
   </p:cSld>
@@ -1797,7 +1812,7 @@
           <a:lstStyle/>
           <a:p>
             <a:fld id="{1CF3957C-59CA-1D4A-8752-1A15B5A5EACB}" type="datetimeFigureOut">
-              <a:t>09.08.20</a:t>
+              <a:t>11.08.20</a:t>
             </a:fld>
             <a:endParaRPr lang="de-DE"/>
           </a:p>
@@ -1838,6 +1853,7 @@
           <a:lstStyle/>
           <a:p>
             <a:fld id="{D0A0026C-DAD9-FA4B-AE3D-4CD89D590B0E}" type="slidenum">
+              <a:rPr lang="de-DE"/>
               <a:t>‹#›</a:t>
             </a:fld>
             <a:endParaRPr lang="de-DE"/>
@@ -1847,7 +1863,7 @@
     </p:spTree>
     <p:extLst>
       <p:ext uri="{BB962C8B-B14F-4D97-AF65-F5344CB8AC3E}">
-        <p14:creationId xmlns:p14="http://schemas.microsoft.com/office/powerpoint/2010/main" val="1572390285"/>
+        <p14:creationId xmlns:p14="http://schemas.microsoft.com/office/powerpoint/2010/main" val="319425670"/>
       </p:ext>
     </p:extLst>
   </p:cSld>
@@ -1886,15 +1902,15 @@
         </p:nvSpPr>
         <p:spPr>
           <a:xfrm>
-            <a:off x="443076" y="276013"/>
-            <a:ext cx="2074665" cy="966047"/>
+            <a:off x="443076" y="155998"/>
+            <a:ext cx="2074665" cy="545994"/>
           </a:xfrm>
         </p:spPr>
         <p:txBody>
           <a:bodyPr anchor="b"/>
           <a:lstStyle>
             <a:lvl1pPr>
-              <a:defRPr sz="1932"/>
+              <a:defRPr sz="1092"/>
             </a:lvl1pPr>
           </a:lstStyle>
           <a:p>
@@ -1918,39 +1934,39 @@
         </p:nvSpPr>
         <p:spPr>
           <a:xfrm>
-            <a:off x="2734672" y="596113"/>
-            <a:ext cx="3256478" cy="2942225"/>
+            <a:off x="2734672" y="336913"/>
+            <a:ext cx="3256478" cy="1662899"/>
           </a:xfrm>
         </p:spPr>
         <p:txBody>
           <a:bodyPr/>
           <a:lstStyle>
             <a:lvl1pPr>
-              <a:defRPr sz="1932"/>
+              <a:defRPr sz="1092"/>
             </a:lvl1pPr>
             <a:lvl2pPr>
-              <a:defRPr sz="1690"/>
+              <a:defRPr sz="955"/>
             </a:lvl2pPr>
             <a:lvl3pPr>
-              <a:defRPr sz="1449"/>
+              <a:defRPr sz="819"/>
             </a:lvl3pPr>
             <a:lvl4pPr>
-              <a:defRPr sz="1207"/>
+              <a:defRPr sz="682"/>
             </a:lvl4pPr>
             <a:lvl5pPr>
-              <a:defRPr sz="1207"/>
+              <a:defRPr sz="682"/>
             </a:lvl5pPr>
             <a:lvl6pPr>
-              <a:defRPr sz="1207"/>
+              <a:defRPr sz="682"/>
             </a:lvl6pPr>
             <a:lvl7pPr>
-              <a:defRPr sz="1207"/>
+              <a:defRPr sz="682"/>
             </a:lvl7pPr>
             <a:lvl8pPr>
-              <a:defRPr sz="1207"/>
+              <a:defRPr sz="682"/>
             </a:lvl8pPr>
             <a:lvl9pPr>
-              <a:defRPr sz="1207"/>
+              <a:defRPr sz="682"/>
             </a:lvl9pPr>
           </a:lstStyle>
           <a:p>
@@ -2003,8 +2019,8 @@
         </p:nvSpPr>
         <p:spPr>
           <a:xfrm>
-            <a:off x="443076" y="1242060"/>
-            <a:ext cx="2074665" cy="2301070"/>
+            <a:off x="443076" y="701992"/>
+            <a:ext cx="2074665" cy="1300528"/>
           </a:xfrm>
         </p:spPr>
         <p:txBody>
@@ -2012,39 +2028,39 @@
           <a:lstStyle>
             <a:lvl1pPr marL="0" indent="0">
               <a:buNone/>
-              <a:defRPr sz="966"/>
+              <a:defRPr sz="546"/>
             </a:lvl1pPr>
-            <a:lvl2pPr marL="276012" indent="0">
-              <a:buNone/>
-              <a:defRPr sz="845"/>
+            <a:lvl2pPr marL="155997" indent="0">
+              <a:buNone/>
+              <a:defRPr sz="478"/>
             </a:lvl2pPr>
-            <a:lvl3pPr marL="552023" indent="0">
-              <a:buNone/>
-              <a:defRPr sz="724"/>
+            <a:lvl3pPr marL="311993" indent="0">
+              <a:buNone/>
+              <a:defRPr sz="409"/>
             </a:lvl3pPr>
-            <a:lvl4pPr marL="828035" indent="0">
-              <a:buNone/>
-              <a:defRPr sz="604"/>
+            <a:lvl4pPr marL="467990" indent="0">
+              <a:buNone/>
+              <a:defRPr sz="341"/>
             </a:lvl4pPr>
-            <a:lvl5pPr marL="1104047" indent="0">
-              <a:buNone/>
-              <a:defRPr sz="604"/>
+            <a:lvl5pPr marL="623987" indent="0">
+              <a:buNone/>
+              <a:defRPr sz="341"/>
             </a:lvl5pPr>
-            <a:lvl6pPr marL="1380058" indent="0">
-              <a:buNone/>
-              <a:defRPr sz="604"/>
+            <a:lvl6pPr marL="779983" indent="0">
+              <a:buNone/>
+              <a:defRPr sz="341"/>
             </a:lvl6pPr>
-            <a:lvl7pPr marL="1656070" indent="0">
-              <a:buNone/>
-              <a:defRPr sz="604"/>
+            <a:lvl7pPr marL="935980" indent="0">
+              <a:buNone/>
+              <a:defRPr sz="341"/>
             </a:lvl7pPr>
-            <a:lvl8pPr marL="1932081" indent="0">
-              <a:buNone/>
-              <a:defRPr sz="604"/>
+            <a:lvl8pPr marL="1091976" indent="0">
+              <a:buNone/>
+              <a:defRPr sz="341"/>
             </a:lvl8pPr>
-            <a:lvl9pPr marL="2208093" indent="0">
-              <a:buNone/>
-              <a:defRPr sz="604"/>
+            <a:lvl9pPr marL="1247973" indent="0">
+              <a:buNone/>
+              <a:defRPr sz="341"/>
             </a:lvl9pPr>
           </a:lstStyle>
           <a:p>
@@ -2072,7 +2088,7 @@
           <a:lstStyle/>
           <a:p>
             <a:fld id="{1CF3957C-59CA-1D4A-8752-1A15B5A5EACB}" type="datetimeFigureOut">
-              <a:t>09.08.20</a:t>
+              <a:t>11.08.20</a:t>
             </a:fld>
             <a:endParaRPr lang="de-DE"/>
           </a:p>
@@ -2113,6 +2129,7 @@
           <a:lstStyle/>
           <a:p>
             <a:fld id="{D0A0026C-DAD9-FA4B-AE3D-4CD89D590B0E}" type="slidenum">
+              <a:rPr lang="de-DE"/>
               <a:t>‹#›</a:t>
             </a:fld>
             <a:endParaRPr lang="de-DE"/>
@@ -2122,7 +2139,7 @@
     </p:spTree>
     <p:extLst>
       <p:ext uri="{BB962C8B-B14F-4D97-AF65-F5344CB8AC3E}">
-        <p14:creationId xmlns:p14="http://schemas.microsoft.com/office/powerpoint/2010/main" val="822869020"/>
+        <p14:creationId xmlns:p14="http://schemas.microsoft.com/office/powerpoint/2010/main" val="88166715"/>
       </p:ext>
     </p:extLst>
   </p:cSld>
@@ -2161,15 +2178,15 @@
         </p:nvSpPr>
         <p:spPr>
           <a:xfrm>
-            <a:off x="443076" y="276013"/>
-            <a:ext cx="2074665" cy="966047"/>
+            <a:off x="443076" y="155998"/>
+            <a:ext cx="2074665" cy="545994"/>
           </a:xfrm>
         </p:spPr>
         <p:txBody>
           <a:bodyPr anchor="b"/>
           <a:lstStyle>
             <a:lvl1pPr>
-              <a:defRPr sz="1932"/>
+              <a:defRPr sz="1092"/>
             </a:lvl1pPr>
           </a:lstStyle>
           <a:p>
@@ -2193,8 +2210,8 @@
         </p:nvSpPr>
         <p:spPr>
           <a:xfrm>
-            <a:off x="2734672" y="596113"/>
-            <a:ext cx="3256478" cy="2942225"/>
+            <a:off x="2734672" y="336913"/>
+            <a:ext cx="3256478" cy="1662899"/>
           </a:xfrm>
         </p:spPr>
         <p:txBody>
@@ -2202,39 +2219,39 @@
           <a:lstStyle>
             <a:lvl1pPr marL="0" indent="0">
               <a:buNone/>
-              <a:defRPr sz="1932"/>
+              <a:defRPr sz="1092"/>
             </a:lvl1pPr>
-            <a:lvl2pPr marL="276012" indent="0">
-              <a:buNone/>
-              <a:defRPr sz="1690"/>
+            <a:lvl2pPr marL="155997" indent="0">
+              <a:buNone/>
+              <a:defRPr sz="955"/>
             </a:lvl2pPr>
-            <a:lvl3pPr marL="552023" indent="0">
-              <a:buNone/>
-              <a:defRPr sz="1449"/>
+            <a:lvl3pPr marL="311993" indent="0">
+              <a:buNone/>
+              <a:defRPr sz="819"/>
             </a:lvl3pPr>
-            <a:lvl4pPr marL="828035" indent="0">
-              <a:buNone/>
-              <a:defRPr sz="1207"/>
+            <a:lvl4pPr marL="467990" indent="0">
+              <a:buNone/>
+              <a:defRPr sz="682"/>
             </a:lvl4pPr>
-            <a:lvl5pPr marL="1104047" indent="0">
-              <a:buNone/>
-              <a:defRPr sz="1207"/>
+            <a:lvl5pPr marL="623987" indent="0">
+              <a:buNone/>
+              <a:defRPr sz="682"/>
             </a:lvl5pPr>
-            <a:lvl6pPr marL="1380058" indent="0">
-              <a:buNone/>
-              <a:defRPr sz="1207"/>
+            <a:lvl6pPr marL="779983" indent="0">
+              <a:buNone/>
+              <a:defRPr sz="682"/>
             </a:lvl6pPr>
-            <a:lvl7pPr marL="1656070" indent="0">
-              <a:buNone/>
-              <a:defRPr sz="1207"/>
+            <a:lvl7pPr marL="935980" indent="0">
+              <a:buNone/>
+              <a:defRPr sz="682"/>
             </a:lvl7pPr>
-            <a:lvl8pPr marL="1932081" indent="0">
-              <a:buNone/>
-              <a:defRPr sz="1207"/>
+            <a:lvl8pPr marL="1091976" indent="0">
+              <a:buNone/>
+              <a:defRPr sz="682"/>
             </a:lvl8pPr>
-            <a:lvl9pPr marL="2208093" indent="0">
-              <a:buNone/>
-              <a:defRPr sz="1207"/>
+            <a:lvl9pPr marL="1247973" indent="0">
+              <a:buNone/>
+              <a:defRPr sz="682"/>
             </a:lvl9pPr>
           </a:lstStyle>
           <a:p>
@@ -2258,8 +2275,8 @@
         </p:nvSpPr>
         <p:spPr>
           <a:xfrm>
-            <a:off x="443076" y="1242060"/>
-            <a:ext cx="2074665" cy="2301070"/>
+            <a:off x="443076" y="701992"/>
+            <a:ext cx="2074665" cy="1300528"/>
           </a:xfrm>
         </p:spPr>
         <p:txBody>
@@ -2267,39 +2284,39 @@
           <a:lstStyle>
             <a:lvl1pPr marL="0" indent="0">
               <a:buNone/>
-              <a:defRPr sz="966"/>
+              <a:defRPr sz="546"/>
             </a:lvl1pPr>
-            <a:lvl2pPr marL="276012" indent="0">
-              <a:buNone/>
-              <a:defRPr sz="845"/>
+            <a:lvl2pPr marL="155997" indent="0">
+              <a:buNone/>
+              <a:defRPr sz="478"/>
             </a:lvl2pPr>
-            <a:lvl3pPr marL="552023" indent="0">
-              <a:buNone/>
-              <a:defRPr sz="724"/>
+            <a:lvl3pPr marL="311993" indent="0">
+              <a:buNone/>
+              <a:defRPr sz="409"/>
             </a:lvl3pPr>
-            <a:lvl4pPr marL="828035" indent="0">
-              <a:buNone/>
-              <a:defRPr sz="604"/>
+            <a:lvl4pPr marL="467990" indent="0">
+              <a:buNone/>
+              <a:defRPr sz="341"/>
             </a:lvl4pPr>
-            <a:lvl5pPr marL="1104047" indent="0">
-              <a:buNone/>
-              <a:defRPr sz="604"/>
+            <a:lvl5pPr marL="623987" indent="0">
+              <a:buNone/>
+              <a:defRPr sz="341"/>
             </a:lvl5pPr>
-            <a:lvl6pPr marL="1380058" indent="0">
-              <a:buNone/>
-              <a:defRPr sz="604"/>
+            <a:lvl6pPr marL="779983" indent="0">
+              <a:buNone/>
+              <a:defRPr sz="341"/>
             </a:lvl6pPr>
-            <a:lvl7pPr marL="1656070" indent="0">
-              <a:buNone/>
-              <a:defRPr sz="604"/>
+            <a:lvl7pPr marL="935980" indent="0">
+              <a:buNone/>
+              <a:defRPr sz="341"/>
             </a:lvl7pPr>
-            <a:lvl8pPr marL="1932081" indent="0">
-              <a:buNone/>
-              <a:defRPr sz="604"/>
+            <a:lvl8pPr marL="1091976" indent="0">
+              <a:buNone/>
+              <a:defRPr sz="341"/>
             </a:lvl8pPr>
-            <a:lvl9pPr marL="2208093" indent="0">
-              <a:buNone/>
-              <a:defRPr sz="604"/>
+            <a:lvl9pPr marL="1247973" indent="0">
+              <a:buNone/>
+              <a:defRPr sz="341"/>
             </a:lvl9pPr>
           </a:lstStyle>
           <a:p>
@@ -2327,7 +2344,7 @@
           <a:lstStyle/>
           <a:p>
             <a:fld id="{1CF3957C-59CA-1D4A-8752-1A15B5A5EACB}" type="datetimeFigureOut">
-              <a:t>09.08.20</a:t>
+              <a:t>11.08.20</a:t>
             </a:fld>
             <a:endParaRPr lang="de-DE"/>
           </a:p>
@@ -2368,6 +2385,7 @@
           <a:lstStyle/>
           <a:p>
             <a:fld id="{D0A0026C-DAD9-FA4B-AE3D-4CD89D590B0E}" type="slidenum">
+              <a:rPr lang="de-DE"/>
               <a:t>‹#›</a:t>
             </a:fld>
             <a:endParaRPr lang="de-DE"/>
@@ -2377,7 +2395,7 @@
     </p:spTree>
     <p:extLst>
       <p:ext uri="{BB962C8B-B14F-4D97-AF65-F5344CB8AC3E}">
-        <p14:creationId xmlns:p14="http://schemas.microsoft.com/office/powerpoint/2010/main" val="1952812705"/>
+        <p14:creationId xmlns:p14="http://schemas.microsoft.com/office/powerpoint/2010/main" val="1372966153"/>
       </p:ext>
     </p:extLst>
   </p:cSld>
@@ -2421,8 +2439,8 @@
         </p:nvSpPr>
         <p:spPr>
           <a:xfrm>
-            <a:off x="442238" y="220428"/>
-            <a:ext cx="5548074" cy="800247"/>
+            <a:off x="442238" y="124582"/>
+            <a:ext cx="5548074" cy="452287"/>
           </a:xfrm>
           <a:prstGeom prst="rect">
             <a:avLst/>
@@ -2454,8 +2472,8 @@
         </p:nvSpPr>
         <p:spPr>
           <a:xfrm>
-            <a:off x="442238" y="1102137"/>
-            <a:ext cx="5548074" cy="2626919"/>
+            <a:off x="442238" y="622910"/>
+            <a:ext cx="5548074" cy="1484693"/>
           </a:xfrm>
           <a:prstGeom prst="rect">
             <a:avLst/>
@@ -2516,8 +2534,8 @@
         </p:nvSpPr>
         <p:spPr>
           <a:xfrm>
-            <a:off x="442238" y="3837353"/>
-            <a:ext cx="1447324" cy="220427"/>
+            <a:off x="442238" y="2168810"/>
+            <a:ext cx="1447324" cy="124582"/>
           </a:xfrm>
           <a:prstGeom prst="rect">
             <a:avLst/>
@@ -2527,7 +2545,7 @@
           <a:bodyPr vert="horz" lIns="91440" tIns="45720" rIns="91440" bIns="45720" rtlCol="0" anchor="ctr"/>
           <a:lstStyle>
             <a:lvl1pPr algn="l">
-              <a:defRPr sz="724">
+              <a:defRPr sz="409">
                 <a:solidFill>
                   <a:schemeClr val="tx1">
                     <a:tint val="75000"/>
@@ -2538,7 +2556,7 @@
           </a:lstStyle>
           <a:p>
             <a:fld id="{1CF3957C-59CA-1D4A-8752-1A15B5A5EACB}" type="datetimeFigureOut">
-              <a:t>09.08.20</a:t>
+              <a:t>11.08.20</a:t>
             </a:fld>
             <a:endParaRPr lang="de-DE"/>
           </a:p>
@@ -2556,8 +2574,8 @@
         </p:nvSpPr>
         <p:spPr>
           <a:xfrm>
-            <a:off x="2130782" y="3837353"/>
-            <a:ext cx="2170986" cy="220427"/>
+            <a:off x="2130782" y="2168810"/>
+            <a:ext cx="2170986" cy="124582"/>
           </a:xfrm>
           <a:prstGeom prst="rect">
             <a:avLst/>
@@ -2567,7 +2585,7 @@
           <a:bodyPr vert="horz" lIns="91440" tIns="45720" rIns="91440" bIns="45720" rtlCol="0" anchor="ctr"/>
           <a:lstStyle>
             <a:lvl1pPr algn="ctr">
-              <a:defRPr sz="724">
+              <a:defRPr sz="409">
                 <a:solidFill>
                   <a:schemeClr val="tx1">
                     <a:tint val="75000"/>
@@ -2593,8 +2611,8 @@
         </p:nvSpPr>
         <p:spPr>
           <a:xfrm>
-            <a:off x="4542988" y="3837353"/>
-            <a:ext cx="1447324" cy="220427"/>
+            <a:off x="4542988" y="2168810"/>
+            <a:ext cx="1447324" cy="124582"/>
           </a:xfrm>
           <a:prstGeom prst="rect">
             <a:avLst/>
@@ -2604,7 +2622,7 @@
           <a:bodyPr vert="horz" lIns="91440" tIns="45720" rIns="91440" bIns="45720" rtlCol="0" anchor="ctr"/>
           <a:lstStyle>
             <a:lvl1pPr algn="r">
-              <a:defRPr sz="724">
+              <a:defRPr sz="409">
                 <a:solidFill>
                   <a:schemeClr val="tx1">
                     <a:tint val="75000"/>
@@ -2615,6 +2633,7 @@
           </a:lstStyle>
           <a:p>
             <a:fld id="{D0A0026C-DAD9-FA4B-AE3D-4CD89D590B0E}" type="slidenum">
+              <a:rPr lang="de-DE"/>
               <a:t>‹#›</a:t>
             </a:fld>
             <a:endParaRPr lang="de-DE"/>
@@ -2624,27 +2643,27 @@
     </p:spTree>
     <p:extLst>
       <p:ext uri="{BB962C8B-B14F-4D97-AF65-F5344CB8AC3E}">
-        <p14:creationId xmlns:p14="http://schemas.microsoft.com/office/powerpoint/2010/main" val="1706805462"/>
+        <p14:creationId xmlns:p14="http://schemas.microsoft.com/office/powerpoint/2010/main" val="2692240452"/>
       </p:ext>
     </p:extLst>
   </p:cSld>
   <p:clrMap bg1="lt1" tx1="dk1" bg2="lt2" tx2="dk2" accent1="accent1" accent2="accent2" accent3="accent3" accent4="accent4" accent5="accent5" accent6="accent6" hlink="hlink" folHlink="folHlink"/>
   <p:sldLayoutIdLst>
-    <p:sldLayoutId id="2147483673" r:id="rId1"/>
-    <p:sldLayoutId id="2147483674" r:id="rId2"/>
-    <p:sldLayoutId id="2147483675" r:id="rId3"/>
-    <p:sldLayoutId id="2147483676" r:id="rId4"/>
-    <p:sldLayoutId id="2147483677" r:id="rId5"/>
-    <p:sldLayoutId id="2147483678" r:id="rId6"/>
-    <p:sldLayoutId id="2147483679" r:id="rId7"/>
-    <p:sldLayoutId id="2147483680" r:id="rId8"/>
-    <p:sldLayoutId id="2147483681" r:id="rId9"/>
-    <p:sldLayoutId id="2147483682" r:id="rId10"/>
-    <p:sldLayoutId id="2147483683" r:id="rId11"/>
+    <p:sldLayoutId id="2147483685" r:id="rId1"/>
+    <p:sldLayoutId id="2147483686" r:id="rId2"/>
+    <p:sldLayoutId id="2147483687" r:id="rId3"/>
+    <p:sldLayoutId id="2147483688" r:id="rId4"/>
+    <p:sldLayoutId id="2147483689" r:id="rId5"/>
+    <p:sldLayoutId id="2147483690" r:id="rId6"/>
+    <p:sldLayoutId id="2147483691" r:id="rId7"/>
+    <p:sldLayoutId id="2147483692" r:id="rId8"/>
+    <p:sldLayoutId id="2147483693" r:id="rId9"/>
+    <p:sldLayoutId id="2147483694" r:id="rId10"/>
+    <p:sldLayoutId id="2147483695" r:id="rId11"/>
   </p:sldLayoutIdLst>
   <p:txStyles>
     <p:titleStyle>
-      <a:lvl1pPr algn="l" defTabSz="552023" rtl="0" eaLnBrk="1" latinLnBrk="0" hangingPunct="1">
+      <a:lvl1pPr algn="l" defTabSz="311993" rtl="0" eaLnBrk="1" latinLnBrk="0" hangingPunct="1">
         <a:lnSpc>
           <a:spcPct val="90000"/>
         </a:lnSpc>
@@ -2652,7 +2671,7 @@
           <a:spcPct val="0"/>
         </a:spcBef>
         <a:buNone/>
-        <a:defRPr sz="2656" kern="1200">
+        <a:defRPr sz="1501" kern="1200">
           <a:solidFill>
             <a:schemeClr val="tx1"/>
           </a:solidFill>
@@ -2663,16 +2682,16 @@
       </a:lvl1pPr>
     </p:titleStyle>
     <p:bodyStyle>
-      <a:lvl1pPr marL="138006" indent="-138006" algn="l" defTabSz="552023" rtl="0" eaLnBrk="1" latinLnBrk="0" hangingPunct="1">
+      <a:lvl1pPr marL="77998" indent="-77998" algn="l" defTabSz="311993" rtl="0" eaLnBrk="1" latinLnBrk="0" hangingPunct="1">
         <a:lnSpc>
           <a:spcPct val="90000"/>
         </a:lnSpc>
         <a:spcBef>
-          <a:spcPts val="604"/>
+          <a:spcPts val="341"/>
         </a:spcBef>
         <a:buFont typeface="Arial" panose="020B0604020202020204" pitchFamily="34" charset="0"/>
         <a:buChar char="•"/>
-        <a:defRPr sz="1690" kern="1200">
+        <a:defRPr sz="955" kern="1200">
           <a:solidFill>
             <a:schemeClr val="tx1"/>
           </a:solidFill>
@@ -2681,16 +2700,16 @@
           <a:cs typeface="+mn-cs"/>
         </a:defRPr>
       </a:lvl1pPr>
-      <a:lvl2pPr marL="414017" indent="-138006" algn="l" defTabSz="552023" rtl="0" eaLnBrk="1" latinLnBrk="0" hangingPunct="1">
+      <a:lvl2pPr marL="233995" indent="-77998" algn="l" defTabSz="311993" rtl="0" eaLnBrk="1" latinLnBrk="0" hangingPunct="1">
         <a:lnSpc>
           <a:spcPct val="90000"/>
         </a:lnSpc>
         <a:spcBef>
-          <a:spcPts val="302"/>
+          <a:spcPts val="171"/>
         </a:spcBef>
         <a:buFont typeface="Arial" panose="020B0604020202020204" pitchFamily="34" charset="0"/>
         <a:buChar char="•"/>
-        <a:defRPr sz="1449" kern="1200">
+        <a:defRPr sz="819" kern="1200">
           <a:solidFill>
             <a:schemeClr val="tx1"/>
           </a:solidFill>
@@ -2699,16 +2718,16 @@
           <a:cs typeface="+mn-cs"/>
         </a:defRPr>
       </a:lvl2pPr>
-      <a:lvl3pPr marL="690029" indent="-138006" algn="l" defTabSz="552023" rtl="0" eaLnBrk="1" latinLnBrk="0" hangingPunct="1">
+      <a:lvl3pPr marL="389992" indent="-77998" algn="l" defTabSz="311993" rtl="0" eaLnBrk="1" latinLnBrk="0" hangingPunct="1">
         <a:lnSpc>
           <a:spcPct val="90000"/>
         </a:lnSpc>
         <a:spcBef>
-          <a:spcPts val="302"/>
+          <a:spcPts val="171"/>
         </a:spcBef>
         <a:buFont typeface="Arial" panose="020B0604020202020204" pitchFamily="34" charset="0"/>
         <a:buChar char="•"/>
-        <a:defRPr sz="1207" kern="1200">
+        <a:defRPr sz="682" kern="1200">
           <a:solidFill>
             <a:schemeClr val="tx1"/>
           </a:solidFill>
@@ -2717,16 +2736,16 @@
           <a:cs typeface="+mn-cs"/>
         </a:defRPr>
       </a:lvl3pPr>
-      <a:lvl4pPr marL="966041" indent="-138006" algn="l" defTabSz="552023" rtl="0" eaLnBrk="1" latinLnBrk="0" hangingPunct="1">
+      <a:lvl4pPr marL="545988" indent="-77998" algn="l" defTabSz="311993" rtl="0" eaLnBrk="1" latinLnBrk="0" hangingPunct="1">
         <a:lnSpc>
           <a:spcPct val="90000"/>
         </a:lnSpc>
         <a:spcBef>
-          <a:spcPts val="302"/>
+          <a:spcPts val="171"/>
         </a:spcBef>
         <a:buFont typeface="Arial" panose="020B0604020202020204" pitchFamily="34" charset="0"/>
         <a:buChar char="•"/>
-        <a:defRPr sz="1087" kern="1200">
+        <a:defRPr sz="614" kern="1200">
           <a:solidFill>
             <a:schemeClr val="tx1"/>
           </a:solidFill>
@@ -2735,16 +2754,16 @@
           <a:cs typeface="+mn-cs"/>
         </a:defRPr>
       </a:lvl4pPr>
-      <a:lvl5pPr marL="1242052" indent="-138006" algn="l" defTabSz="552023" rtl="0" eaLnBrk="1" latinLnBrk="0" hangingPunct="1">
+      <a:lvl5pPr marL="701985" indent="-77998" algn="l" defTabSz="311993" rtl="0" eaLnBrk="1" latinLnBrk="0" hangingPunct="1">
         <a:lnSpc>
           <a:spcPct val="90000"/>
         </a:lnSpc>
         <a:spcBef>
-          <a:spcPts val="302"/>
+          <a:spcPts val="171"/>
         </a:spcBef>
         <a:buFont typeface="Arial" panose="020B0604020202020204" pitchFamily="34" charset="0"/>
         <a:buChar char="•"/>
-        <a:defRPr sz="1087" kern="1200">
+        <a:defRPr sz="614" kern="1200">
           <a:solidFill>
             <a:schemeClr val="tx1"/>
           </a:solidFill>
@@ -2753,16 +2772,16 @@
           <a:cs typeface="+mn-cs"/>
         </a:defRPr>
       </a:lvl5pPr>
-      <a:lvl6pPr marL="1518064" indent="-138006" algn="l" defTabSz="552023" rtl="0" eaLnBrk="1" latinLnBrk="0" hangingPunct="1">
+      <a:lvl6pPr marL="857982" indent="-77998" algn="l" defTabSz="311993" rtl="0" eaLnBrk="1" latinLnBrk="0" hangingPunct="1">
         <a:lnSpc>
           <a:spcPct val="90000"/>
         </a:lnSpc>
         <a:spcBef>
-          <a:spcPts val="302"/>
+          <a:spcPts val="171"/>
         </a:spcBef>
         <a:buFont typeface="Arial" panose="020B0604020202020204" pitchFamily="34" charset="0"/>
         <a:buChar char="•"/>
-        <a:defRPr sz="1087" kern="1200">
+        <a:defRPr sz="614" kern="1200">
           <a:solidFill>
             <a:schemeClr val="tx1"/>
           </a:solidFill>
@@ -2771,16 +2790,16 @@
           <a:cs typeface="+mn-cs"/>
         </a:defRPr>
       </a:lvl6pPr>
-      <a:lvl7pPr marL="1794076" indent="-138006" algn="l" defTabSz="552023" rtl="0" eaLnBrk="1" latinLnBrk="0" hangingPunct="1">
+      <a:lvl7pPr marL="1013978" indent="-77998" algn="l" defTabSz="311993" rtl="0" eaLnBrk="1" latinLnBrk="0" hangingPunct="1">
         <a:lnSpc>
           <a:spcPct val="90000"/>
         </a:lnSpc>
         <a:spcBef>
-          <a:spcPts val="302"/>
+          <a:spcPts val="171"/>
         </a:spcBef>
         <a:buFont typeface="Arial" panose="020B0604020202020204" pitchFamily="34" charset="0"/>
         <a:buChar char="•"/>
-        <a:defRPr sz="1087" kern="1200">
+        <a:defRPr sz="614" kern="1200">
           <a:solidFill>
             <a:schemeClr val="tx1"/>
           </a:solidFill>
@@ -2789,16 +2808,16 @@
           <a:cs typeface="+mn-cs"/>
         </a:defRPr>
       </a:lvl7pPr>
-      <a:lvl8pPr marL="2070087" indent="-138006" algn="l" defTabSz="552023" rtl="0" eaLnBrk="1" latinLnBrk="0" hangingPunct="1">
+      <a:lvl8pPr marL="1169975" indent="-77998" algn="l" defTabSz="311993" rtl="0" eaLnBrk="1" latinLnBrk="0" hangingPunct="1">
         <a:lnSpc>
           <a:spcPct val="90000"/>
         </a:lnSpc>
         <a:spcBef>
-          <a:spcPts val="302"/>
+          <a:spcPts val="171"/>
         </a:spcBef>
         <a:buFont typeface="Arial" panose="020B0604020202020204" pitchFamily="34" charset="0"/>
         <a:buChar char="•"/>
-        <a:defRPr sz="1087" kern="1200">
+        <a:defRPr sz="614" kern="1200">
           <a:solidFill>
             <a:schemeClr val="tx1"/>
           </a:solidFill>
@@ -2807,16 +2826,16 @@
           <a:cs typeface="+mn-cs"/>
         </a:defRPr>
       </a:lvl8pPr>
-      <a:lvl9pPr marL="2346099" indent="-138006" algn="l" defTabSz="552023" rtl="0" eaLnBrk="1" latinLnBrk="0" hangingPunct="1">
+      <a:lvl9pPr marL="1325971" indent="-77998" algn="l" defTabSz="311993" rtl="0" eaLnBrk="1" latinLnBrk="0" hangingPunct="1">
         <a:lnSpc>
           <a:spcPct val="90000"/>
         </a:lnSpc>
         <a:spcBef>
-          <a:spcPts val="302"/>
+          <a:spcPts val="171"/>
         </a:spcBef>
         <a:buFont typeface="Arial" panose="020B0604020202020204" pitchFamily="34" charset="0"/>
         <a:buChar char="•"/>
-        <a:defRPr sz="1087" kern="1200">
+        <a:defRPr sz="614" kern="1200">
           <a:solidFill>
             <a:schemeClr val="tx1"/>
           </a:solidFill>
@@ -2830,8 +2849,8 @@
       <a:defPPr>
         <a:defRPr lang="en-US"/>
       </a:defPPr>
-      <a:lvl1pPr marL="0" algn="l" defTabSz="552023" rtl="0" eaLnBrk="1" latinLnBrk="0" hangingPunct="1">
-        <a:defRPr sz="1087" kern="1200">
+      <a:lvl1pPr marL="0" algn="l" defTabSz="311993" rtl="0" eaLnBrk="1" latinLnBrk="0" hangingPunct="1">
+        <a:defRPr sz="614" kern="1200">
           <a:solidFill>
             <a:schemeClr val="tx1"/>
           </a:solidFill>
@@ -2840,8 +2859,8 @@
           <a:cs typeface="+mn-cs"/>
         </a:defRPr>
       </a:lvl1pPr>
-      <a:lvl2pPr marL="276012" algn="l" defTabSz="552023" rtl="0" eaLnBrk="1" latinLnBrk="0" hangingPunct="1">
-        <a:defRPr sz="1087" kern="1200">
+      <a:lvl2pPr marL="155997" algn="l" defTabSz="311993" rtl="0" eaLnBrk="1" latinLnBrk="0" hangingPunct="1">
+        <a:defRPr sz="614" kern="1200">
           <a:solidFill>
             <a:schemeClr val="tx1"/>
           </a:solidFill>
@@ -2850,8 +2869,8 @@
           <a:cs typeface="+mn-cs"/>
         </a:defRPr>
       </a:lvl2pPr>
-      <a:lvl3pPr marL="552023" algn="l" defTabSz="552023" rtl="0" eaLnBrk="1" latinLnBrk="0" hangingPunct="1">
-        <a:defRPr sz="1087" kern="1200">
+      <a:lvl3pPr marL="311993" algn="l" defTabSz="311993" rtl="0" eaLnBrk="1" latinLnBrk="0" hangingPunct="1">
+        <a:defRPr sz="614" kern="1200">
           <a:solidFill>
             <a:schemeClr val="tx1"/>
           </a:solidFill>
@@ -2860,8 +2879,8 @@
           <a:cs typeface="+mn-cs"/>
         </a:defRPr>
       </a:lvl3pPr>
-      <a:lvl4pPr marL="828035" algn="l" defTabSz="552023" rtl="0" eaLnBrk="1" latinLnBrk="0" hangingPunct="1">
-        <a:defRPr sz="1087" kern="1200">
+      <a:lvl4pPr marL="467990" algn="l" defTabSz="311993" rtl="0" eaLnBrk="1" latinLnBrk="0" hangingPunct="1">
+        <a:defRPr sz="614" kern="1200">
           <a:solidFill>
             <a:schemeClr val="tx1"/>
           </a:solidFill>
@@ -2870,8 +2889,8 @@
           <a:cs typeface="+mn-cs"/>
         </a:defRPr>
       </a:lvl4pPr>
-      <a:lvl5pPr marL="1104047" algn="l" defTabSz="552023" rtl="0" eaLnBrk="1" latinLnBrk="0" hangingPunct="1">
-        <a:defRPr sz="1087" kern="1200">
+      <a:lvl5pPr marL="623987" algn="l" defTabSz="311993" rtl="0" eaLnBrk="1" latinLnBrk="0" hangingPunct="1">
+        <a:defRPr sz="614" kern="1200">
           <a:solidFill>
             <a:schemeClr val="tx1"/>
           </a:solidFill>
@@ -2880,8 +2899,8 @@
           <a:cs typeface="+mn-cs"/>
         </a:defRPr>
       </a:lvl5pPr>
-      <a:lvl6pPr marL="1380058" algn="l" defTabSz="552023" rtl="0" eaLnBrk="1" latinLnBrk="0" hangingPunct="1">
-        <a:defRPr sz="1087" kern="1200">
+      <a:lvl6pPr marL="779983" algn="l" defTabSz="311993" rtl="0" eaLnBrk="1" latinLnBrk="0" hangingPunct="1">
+        <a:defRPr sz="614" kern="1200">
           <a:solidFill>
             <a:schemeClr val="tx1"/>
           </a:solidFill>
@@ -2890,8 +2909,8 @@
           <a:cs typeface="+mn-cs"/>
         </a:defRPr>
       </a:lvl6pPr>
-      <a:lvl7pPr marL="1656070" algn="l" defTabSz="552023" rtl="0" eaLnBrk="1" latinLnBrk="0" hangingPunct="1">
-        <a:defRPr sz="1087" kern="1200">
+      <a:lvl7pPr marL="935980" algn="l" defTabSz="311993" rtl="0" eaLnBrk="1" latinLnBrk="0" hangingPunct="1">
+        <a:defRPr sz="614" kern="1200">
           <a:solidFill>
             <a:schemeClr val="tx1"/>
           </a:solidFill>
@@ -2900,8 +2919,8 @@
           <a:cs typeface="+mn-cs"/>
         </a:defRPr>
       </a:lvl7pPr>
-      <a:lvl8pPr marL="1932081" algn="l" defTabSz="552023" rtl="0" eaLnBrk="1" latinLnBrk="0" hangingPunct="1">
-        <a:defRPr sz="1087" kern="1200">
+      <a:lvl8pPr marL="1091976" algn="l" defTabSz="311993" rtl="0" eaLnBrk="1" latinLnBrk="0" hangingPunct="1">
+        <a:defRPr sz="614" kern="1200">
           <a:solidFill>
             <a:schemeClr val="tx1"/>
           </a:solidFill>
@@ -2910,8 +2929,8 @@
           <a:cs typeface="+mn-cs"/>
         </a:defRPr>
       </a:lvl8pPr>
-      <a:lvl9pPr marL="2208093" algn="l" defTabSz="552023" rtl="0" eaLnBrk="1" latinLnBrk="0" hangingPunct="1">
-        <a:defRPr sz="1087" kern="1200">
+      <a:lvl9pPr marL="1247973" algn="l" defTabSz="311993" rtl="0" eaLnBrk="1" latinLnBrk="0" hangingPunct="1">
+        <a:defRPr sz="614" kern="1200">
           <a:solidFill>
             <a:schemeClr val="tx1"/>
           </a:solidFill>
@@ -2957,14 +2976,14 @@
           <p:nvPr>
             <p:extLst>
               <p:ext uri="{D42A27DB-BD31-4B8C-83A1-F6EECF244321}">
-                <p14:modId xmlns:p14="http://schemas.microsoft.com/office/powerpoint/2010/main" val="1260066018"/>
+                <p14:modId xmlns:p14="http://schemas.microsoft.com/office/powerpoint/2010/main" val="952721873"/>
               </p:ext>
             </p:extLst>
           </p:nvPr>
         </p:nvGraphicFramePr>
         <p:xfrm>
-          <a:off x="1721251" y="2835517"/>
-          <a:ext cx="3138343" cy="1247596"/>
+          <a:off x="3983790" y="579436"/>
+          <a:ext cx="2603596" cy="1247514"/>
         </p:xfrm>
         <a:graphic>
           <a:graphicData uri="http://schemas.openxmlformats.org/drawingml/2006/table">
@@ -2973,14 +2992,14 @@
                 <a:tableStyleId>{5C22544A-7EE6-4342-B048-85BDC9FD1C3A}</a:tableStyleId>
               </a:tblPr>
               <a:tblGrid>
-                <a:gridCol w="439388">
+                <a:gridCol w="364520">
                   <a:extLst>
                     <a:ext uri="{9D8B030D-6E8A-4147-A177-3AD203B41FA5}">
                       <a16:colId xmlns:a16="http://schemas.microsoft.com/office/drawing/2014/main" val="20000"/>
                     </a:ext>
                   </a:extLst>
                 </a:gridCol>
-                <a:gridCol w="2698955">
+                <a:gridCol w="2239076">
                   <a:extLst>
                     <a:ext uri="{9D8B030D-6E8A-4147-A177-3AD203B41FA5}">
                       <a16:colId xmlns:a16="http://schemas.microsoft.com/office/drawing/2014/main" val="20001"/>
@@ -2988,7 +3007,7 @@
                   </a:extLst>
                 </a:gridCol>
               </a:tblGrid>
-              <a:tr h="208752">
+              <a:tr h="207919">
                 <a:tc>
                   <a:txBody>
                     <a:bodyPr/>
@@ -3047,7 +3066,7 @@
                           <a:ea typeface="Consolas" charset="0"/>
                           <a:cs typeface="Consolas" charset="0"/>
                         </a:rPr>
-                        <a:t>&lt;0.582, 0.913, -0.982, ..., -0.132&gt;</a:t>
+                        <a:t>&lt;0.582, 0.913, ..., -0.132&gt;</a:t>
                       </a:r>
                     </a:p>
                   </a:txBody>
@@ -3081,7 +3100,7 @@
                   </a:ext>
                 </a:extLst>
               </a:tr>
-              <a:tr h="208752">
+              <a:tr h="207919">
                 <a:tc>
                   <a:txBody>
                     <a:bodyPr/>
@@ -3140,7 +3159,7 @@
                           <a:ea typeface="Consolas" charset="0"/>
                           <a:cs typeface="Consolas" charset="0"/>
                         </a:rPr>
-                        <a:t>&lt;0.573, 0.102, -0.632, ..., -0.249&gt;</a:t>
+                        <a:t>&lt;0.573, 0.102, ..., -0.249&gt;</a:t>
                       </a:r>
                     </a:p>
                   </a:txBody>
@@ -3174,7 +3193,7 @@
                   </a:ext>
                 </a:extLst>
               </a:tr>
-              <a:tr h="208752">
+              <a:tr h="207919">
                 <a:tc>
                   <a:txBody>
                     <a:bodyPr/>
@@ -3233,7 +3252,7 @@
                           <a:ea typeface="Consolas" charset="0"/>
                           <a:cs typeface="Consolas" charset="0"/>
                         </a:rPr>
-                        <a:t>&lt;0.582, 0.913, -0.982, ..., -0.132&gt;</a:t>
+                        <a:t>&lt;0.582, 0.913, ..., -0.132&gt;</a:t>
                       </a:r>
                     </a:p>
                   </a:txBody>
@@ -3267,7 +3286,7 @@
                   </a:ext>
                 </a:extLst>
               </a:tr>
-              <a:tr h="208752">
+              <a:tr h="207919">
                 <a:tc>
                   <a:txBody>
                     <a:bodyPr/>
@@ -3326,7 +3345,7 @@
                           <a:ea typeface="Consolas" charset="0"/>
                           <a:cs typeface="Consolas" charset="0"/>
                         </a:rPr>
-                        <a:t>&lt;0.472, -0.231, -0.881, ..., 0.265&gt;</a:t>
+                        <a:t>&lt;0.472, -0.231, ..., 0.265&gt;</a:t>
                       </a:r>
                     </a:p>
                   </a:txBody>
@@ -3360,7 +3379,7 @@
                   </a:ext>
                 </a:extLst>
               </a:tr>
-              <a:tr h="194995">
+              <a:tr h="207919">
                 <a:tc>
                   <a:txBody>
                     <a:bodyPr/>
@@ -3453,7 +3472,7 @@
                   </a:ext>
                 </a:extLst>
               </a:tr>
-              <a:tr h="208752">
+              <a:tr h="207919">
                 <a:tc>
                   <a:txBody>
                     <a:bodyPr/>
@@ -3512,7 +3531,7 @@
                           <a:ea typeface="Consolas" charset="0"/>
                           <a:cs typeface="Consolas" charset="0"/>
                         </a:rPr>
-                        <a:t>&lt;0.947, -0.841, -0.564, ..., 0.987&gt;</a:t>
+                        <a:t>&lt;0.947, -0.841, ..., 0.987&gt;</a:t>
                       </a:r>
                     </a:p>
                   </a:txBody>
@@ -3564,8 +3583,8 @@
         </p:nvSpPr>
         <p:spPr>
           <a:xfrm>
-            <a:off x="1791930" y="2551253"/>
-            <a:ext cx="2933503" cy="292388"/>
+            <a:off x="3982617" y="295172"/>
+            <a:ext cx="2391309" cy="292388"/>
           </a:xfrm>
           <a:prstGeom prst="rect">
             <a:avLst/>
@@ -3605,14 +3624,14 @@
           <p:nvPr>
             <p:extLst>
               <p:ext uri="{D42A27DB-BD31-4B8C-83A1-F6EECF244321}">
-                <p14:modId xmlns:p14="http://schemas.microsoft.com/office/powerpoint/2010/main" val="1412016531"/>
+                <p14:modId xmlns:p14="http://schemas.microsoft.com/office/powerpoint/2010/main" val="2737153381"/>
               </p:ext>
             </p:extLst>
           </p:nvPr>
         </p:nvGraphicFramePr>
         <p:xfrm>
-          <a:off x="1721251" y="332467"/>
-          <a:ext cx="3189105" cy="1360624"/>
+          <a:off x="61486" y="579435"/>
+          <a:ext cx="2603596" cy="1251132"/>
         </p:xfrm>
         <a:graphic>
           <a:graphicData uri="http://schemas.openxmlformats.org/drawingml/2006/table">
@@ -3621,14 +3640,14 @@
                 <a:tableStyleId>{5C22544A-7EE6-4342-B048-85BDC9FD1C3A}</a:tableStyleId>
               </a:tblPr>
               <a:tblGrid>
-                <a:gridCol w="438710">
+                <a:gridCol w="358164">
                   <a:extLst>
                     <a:ext uri="{9D8B030D-6E8A-4147-A177-3AD203B41FA5}">
                       <a16:colId xmlns:a16="http://schemas.microsoft.com/office/drawing/2014/main" val="20000"/>
                     </a:ext>
                   </a:extLst>
                 </a:gridCol>
-                <a:gridCol w="2750395">
+                <a:gridCol w="2245432">
                   <a:extLst>
                     <a:ext uri="{9D8B030D-6E8A-4147-A177-3AD203B41FA5}">
                       <a16:colId xmlns:a16="http://schemas.microsoft.com/office/drawing/2014/main" val="20001"/>
@@ -3636,7 +3655,7 @@
                   </a:extLst>
                 </a:gridCol>
               </a:tblGrid>
-              <a:tr h="211495">
+              <a:tr h="189831">
                 <a:tc>
                   <a:txBody>
                     <a:bodyPr/>
@@ -3737,7 +3756,7 @@
                   </a:ext>
                 </a:extLst>
               </a:tr>
-              <a:tr h="211495">
+              <a:tr h="189831">
                 <a:tc>
                   <a:txBody>
                     <a:bodyPr/>
@@ -3835,7 +3854,7 @@
                   </a:ext>
                 </a:extLst>
               </a:tr>
-              <a:tr h="303149">
+              <a:tr h="231952">
                 <a:tc>
                   <a:txBody>
                     <a:bodyPr/>
@@ -3936,7 +3955,7 @@
                   </a:ext>
                 </a:extLst>
               </a:tr>
-              <a:tr h="211495">
+              <a:tr h="189831">
                 <a:tc>
                   <a:txBody>
                     <a:bodyPr/>
@@ -4050,7 +4069,7 @@
                   </a:ext>
                 </a:extLst>
               </a:tr>
-              <a:tr h="211495">
+              <a:tr h="189831">
                 <a:tc>
                   <a:txBody>
                     <a:bodyPr/>
@@ -4164,7 +4183,7 @@
                   </a:ext>
                 </a:extLst>
               </a:tr>
-              <a:tr h="211495">
+              <a:tr h="189831">
                 <a:tc>
                   <a:txBody>
                     <a:bodyPr/>
@@ -4280,15 +4299,15 @@
           </p:cNvPr>
           <p:cNvCxnSpPr>
             <a:cxnSpLocks/>
-            <a:stCxn id="115" idx="2"/>
-            <a:endCxn id="36" idx="0"/>
+            <a:stCxn id="115" idx="3"/>
+            <a:endCxn id="36" idx="1"/>
           </p:cNvCxnSpPr>
           <p:nvPr/>
         </p:nvCxnSpPr>
         <p:spPr>
-          <a:xfrm flipH="1">
-            <a:off x="3288852" y="1714987"/>
-            <a:ext cx="589" cy="235982"/>
+          <a:xfrm>
+            <a:off x="2659598" y="1061660"/>
+            <a:ext cx="447764" cy="1103"/>
           </a:xfrm>
           <a:prstGeom prst="straightConnector1">
             <a:avLst/>
@@ -4326,8 +4345,8 @@
         </p:nvSpPr>
         <p:spPr>
           <a:xfrm>
-            <a:off x="1721252" y="1950969"/>
-            <a:ext cx="3135200" cy="349779"/>
+            <a:off x="3107363" y="273727"/>
+            <a:ext cx="432973" cy="1578071"/>
           </a:xfrm>
           <a:prstGeom prst="roundRect">
             <a:avLst/>
@@ -4359,7 +4378,7 @@
           </a:fontRef>
         </p:style>
         <p:txBody>
-          <a:bodyPr rtlCol="0" anchor="ctr"/>
+          <a:bodyPr vert="vert270" rtlCol="0" anchor="ctr"/>
           <a:lstStyle/>
           <a:p>
             <a:pPr algn="ctr"/>
@@ -4385,15 +4404,15 @@
           </p:cNvPr>
           <p:cNvCxnSpPr>
             <a:cxnSpLocks/>
-            <a:stCxn id="36" idx="2"/>
-            <a:endCxn id="79" idx="0"/>
+            <a:stCxn id="36" idx="3"/>
+            <a:endCxn id="79" idx="1"/>
           </p:cNvCxnSpPr>
           <p:nvPr/>
         </p:nvCxnSpPr>
         <p:spPr>
-          <a:xfrm>
-            <a:off x="3288852" y="2300748"/>
-            <a:ext cx="3726" cy="228608"/>
+          <a:xfrm flipV="1">
+            <a:off x="3540336" y="1062310"/>
+            <a:ext cx="447765" cy="452"/>
           </a:xfrm>
           <a:prstGeom prst="straightConnector1">
             <a:avLst/>
@@ -4431,8 +4450,8 @@
         </p:nvSpPr>
         <p:spPr>
           <a:xfrm>
-            <a:off x="1725562" y="2529356"/>
-            <a:ext cx="3134032" cy="1578070"/>
+            <a:off x="3988100" y="273275"/>
+            <a:ext cx="2391310" cy="1578070"/>
           </a:xfrm>
           <a:prstGeom prst="roundRect">
             <a:avLst/>
@@ -4485,8 +4504,8 @@
         </p:nvCxnSpPr>
         <p:spPr>
           <a:xfrm flipH="1">
-            <a:off x="1725562" y="2835517"/>
-            <a:ext cx="3134032" cy="0"/>
+            <a:off x="3988100" y="579436"/>
+            <a:ext cx="2391310" cy="1"/>
           </a:xfrm>
           <a:prstGeom prst="line">
             <a:avLst/>
@@ -4528,8 +4547,8 @@
         </p:nvCxnSpPr>
         <p:spPr>
           <a:xfrm flipV="1">
-            <a:off x="2166658" y="2835517"/>
-            <a:ext cx="0" cy="1249452"/>
+            <a:off x="4338290" y="579437"/>
+            <a:ext cx="0" cy="1271909"/>
           </a:xfrm>
           <a:prstGeom prst="line">
             <a:avLst/>
@@ -4569,8 +4588,8 @@
         </p:nvSpPr>
         <p:spPr>
           <a:xfrm>
-            <a:off x="1788793" y="48204"/>
-            <a:ext cx="2933503" cy="292388"/>
+            <a:off x="122371" y="272624"/>
+            <a:ext cx="2536055" cy="292388"/>
           </a:xfrm>
           <a:prstGeom prst="rect">
             <a:avLst/>
@@ -4609,8 +4628,8 @@
         </p:nvSpPr>
         <p:spPr>
           <a:xfrm>
-            <a:off x="1722425" y="26307"/>
-            <a:ext cx="3134032" cy="1688680"/>
+            <a:off x="56002" y="272624"/>
+            <a:ext cx="2603596" cy="1578071"/>
           </a:xfrm>
           <a:prstGeom prst="roundRect">
             <a:avLst/>
@@ -4663,8 +4682,8 @@
         </p:nvCxnSpPr>
         <p:spPr>
           <a:xfrm flipH="1">
-            <a:off x="1722425" y="332468"/>
-            <a:ext cx="3134032" cy="0"/>
+            <a:off x="54829" y="579435"/>
+            <a:ext cx="2603596" cy="1"/>
           </a:xfrm>
           <a:prstGeom prst="line">
             <a:avLst/>
@@ -4692,10 +4711,10 @@
       </p:cxnSp>
       <p:cxnSp>
         <p:nvCxnSpPr>
-          <p:cNvPr id="117" name="Straight Connector 116">
+          <p:cNvPr id="29" name="Straight Connector 28">
             <a:extLst>
               <a:ext uri="{FF2B5EF4-FFF2-40B4-BE49-F238E27FC236}">
-                <a16:creationId xmlns:a16="http://schemas.microsoft.com/office/drawing/2014/main" id="{589FCA45-619E-B741-8350-2F0743699BEE}"/>
+                <a16:creationId xmlns:a16="http://schemas.microsoft.com/office/drawing/2014/main" id="{18DD98C1-6C56-2C49-BBA4-1E367F489999}"/>
               </a:ext>
             </a:extLst>
           </p:cNvPr>
@@ -4706,8 +4725,8 @@
         </p:nvCxnSpPr>
         <p:spPr>
           <a:xfrm flipV="1">
-            <a:off x="2163521" y="332468"/>
-            <a:ext cx="0" cy="1382519"/>
+            <a:off x="399953" y="579435"/>
+            <a:ext cx="0" cy="1271909"/>
           </a:xfrm>
           <a:prstGeom prst="line">
             <a:avLst/>
